--- a/R/Results/TJHherb_behamat.pptx
+++ b/R/Results/TJHherb_behamat.pptx
@@ -4362,15 +4362,15 @@
           </p:nvSpPr>
           <p:spPr>
             <a:xfrm>
-              <a:off x="7416577" y="2935124"/>
-              <a:ext cx="0" cy="1572486"/>
+              <a:off x="7416577" y="3097866"/>
+              <a:ext cx="0" cy="1409744"/>
             </a:xfrm>
             <a:custGeom>
               <a:avLst/>
               <a:pathLst>
-                <a:path w="0" h="1572486">
+                <a:path w="0" h="1409744">
                   <a:moveTo>
-                    <a:pt x="0" y="1572486"/>
+                    <a:pt x="0" y="1409744"/>
                   </a:moveTo>
                   <a:lnTo>
                     <a:pt x="0" y="0"/>
@@ -4442,7 +4442,7 @@
           </p:nvSpPr>
           <p:spPr>
             <a:xfrm>
-              <a:off x="7416577" y="4245529"/>
+              <a:off x="7416577" y="4272653"/>
               <a:ext cx="91440" cy="0"/>
             </a:xfrm>
             <a:custGeom>
@@ -4482,7 +4482,7 @@
           </p:nvSpPr>
           <p:spPr>
             <a:xfrm>
-              <a:off x="7416577" y="3983448"/>
+              <a:off x="7416577" y="4037696"/>
               <a:ext cx="91440" cy="0"/>
             </a:xfrm>
             <a:custGeom>
@@ -4522,7 +4522,7 @@
           </p:nvSpPr>
           <p:spPr>
             <a:xfrm>
-              <a:off x="7416577" y="3721367"/>
+              <a:off x="7416577" y="3802738"/>
               <a:ext cx="91440" cy="0"/>
             </a:xfrm>
             <a:custGeom>
@@ -4562,7 +4562,7 @@
           </p:nvSpPr>
           <p:spPr>
             <a:xfrm>
-              <a:off x="7416577" y="3459286"/>
+              <a:off x="7416577" y="3567781"/>
               <a:ext cx="91440" cy="0"/>
             </a:xfrm>
             <a:custGeom>
@@ -4602,7 +4602,7 @@
           </p:nvSpPr>
           <p:spPr>
             <a:xfrm>
-              <a:off x="7416577" y="3197205"/>
+              <a:off x="7416577" y="3332823"/>
               <a:ext cx="91440" cy="0"/>
             </a:xfrm>
             <a:custGeom>
@@ -4642,7 +4642,7 @@
           </p:nvSpPr>
           <p:spPr>
             <a:xfrm>
-              <a:off x="7416577" y="2935124"/>
+              <a:off x="7416577" y="3097866"/>
               <a:ext cx="91440" cy="0"/>
             </a:xfrm>
             <a:custGeom>
@@ -4728,7 +4728,7 @@
           </p:nvSpPr>
           <p:spPr>
             <a:xfrm>
-              <a:off x="7599458" y="4188677"/>
+              <a:off x="7599458" y="4215801"/>
               <a:ext cx="296614" cy="111397"/>
             </a:xfrm>
             <a:prstGeom prst="rect">
@@ -4774,7 +4774,7 @@
           </p:nvSpPr>
           <p:spPr>
             <a:xfrm>
-              <a:off x="7599458" y="3926596"/>
+              <a:off x="7599458" y="3980843"/>
               <a:ext cx="296614" cy="111397"/>
             </a:xfrm>
             <a:prstGeom prst="rect">
@@ -4820,7 +4820,7 @@
           </p:nvSpPr>
           <p:spPr>
             <a:xfrm>
-              <a:off x="7599458" y="3664515"/>
+              <a:off x="7599458" y="3745886"/>
               <a:ext cx="296614" cy="111397"/>
             </a:xfrm>
             <a:prstGeom prst="rect">
@@ -4866,7 +4866,7 @@
           </p:nvSpPr>
           <p:spPr>
             <a:xfrm>
-              <a:off x="7599458" y="3402434"/>
+              <a:off x="7599458" y="3510929"/>
               <a:ext cx="296614" cy="111397"/>
             </a:xfrm>
             <a:prstGeom prst="rect">
@@ -4912,7 +4912,7 @@
           </p:nvSpPr>
           <p:spPr>
             <a:xfrm>
-              <a:off x="7599458" y="3140353"/>
+              <a:off x="7599458" y="3275971"/>
               <a:ext cx="296614" cy="111397"/>
             </a:xfrm>
             <a:prstGeom prst="rect">
@@ -4958,7 +4958,7 @@
           </p:nvSpPr>
           <p:spPr>
             <a:xfrm>
-              <a:off x="7599458" y="2878271"/>
+              <a:off x="7599458" y="3041014"/>
               <a:ext cx="296614" cy="111397"/>
             </a:xfrm>
             <a:prstGeom prst="rect">
